--- a/advance/20/自己画的redux理解图.pptx
+++ b/advance/20/自己画的redux理解图.pptx
@@ -104,6 +104,11 @@
       </a:defRPr>
     </a:lvl9pPr>
   </p:defaultTextStyle>
+  <p:extLst>
+    <p:ext uri="{EFAFB233-063F-42B5-8137-9DF3F51BA10A}">
+      <p15:sldGuideLst xmlns:p15="http://schemas.microsoft.com/office/powerpoint/2012/main"/>
+    </p:ext>
+  </p:extLst>
 </p:presentation>
 </file>
 
@@ -254,7 +259,7 @@
           <a:p>
             <a:fld id="{E23DE8A5-D17A-48CE-ACC5-5A718228CF0D}" type="datetimeFigureOut">
               <a:rPr lang="zh-CN" altLang="en-US" smtClean="0"/>
-              <a:t>2020/3/21</a:t>
+              <a:t>2020/5/30</a:t>
             </a:fld>
             <a:endParaRPr lang="zh-CN" altLang="en-US"/>
           </a:p>
@@ -452,7 +457,7 @@
           <a:p>
             <a:fld id="{E23DE8A5-D17A-48CE-ACC5-5A718228CF0D}" type="datetimeFigureOut">
               <a:rPr lang="zh-CN" altLang="en-US" smtClean="0"/>
-              <a:t>2020/3/21</a:t>
+              <a:t>2020/5/30</a:t>
             </a:fld>
             <a:endParaRPr lang="zh-CN" altLang="en-US"/>
           </a:p>
@@ -660,7 +665,7 @@
           <a:p>
             <a:fld id="{E23DE8A5-D17A-48CE-ACC5-5A718228CF0D}" type="datetimeFigureOut">
               <a:rPr lang="zh-CN" altLang="en-US" smtClean="0"/>
-              <a:t>2020/3/21</a:t>
+              <a:t>2020/5/30</a:t>
             </a:fld>
             <a:endParaRPr lang="zh-CN" altLang="en-US"/>
           </a:p>
@@ -858,7 +863,7 @@
           <a:p>
             <a:fld id="{E23DE8A5-D17A-48CE-ACC5-5A718228CF0D}" type="datetimeFigureOut">
               <a:rPr lang="zh-CN" altLang="en-US" smtClean="0"/>
-              <a:t>2020/3/21</a:t>
+              <a:t>2020/5/30</a:t>
             </a:fld>
             <a:endParaRPr lang="zh-CN" altLang="en-US"/>
           </a:p>
@@ -1133,7 +1138,7 @@
           <a:p>
             <a:fld id="{E23DE8A5-D17A-48CE-ACC5-5A718228CF0D}" type="datetimeFigureOut">
               <a:rPr lang="zh-CN" altLang="en-US" smtClean="0"/>
-              <a:t>2020/3/21</a:t>
+              <a:t>2020/5/30</a:t>
             </a:fld>
             <a:endParaRPr lang="zh-CN" altLang="en-US"/>
           </a:p>
@@ -1398,7 +1403,7 @@
           <a:p>
             <a:fld id="{E23DE8A5-D17A-48CE-ACC5-5A718228CF0D}" type="datetimeFigureOut">
               <a:rPr lang="zh-CN" altLang="en-US" smtClean="0"/>
-              <a:t>2020/3/21</a:t>
+              <a:t>2020/5/30</a:t>
             </a:fld>
             <a:endParaRPr lang="zh-CN" altLang="en-US"/>
           </a:p>
@@ -1810,7 +1815,7 @@
           <a:p>
             <a:fld id="{E23DE8A5-D17A-48CE-ACC5-5A718228CF0D}" type="datetimeFigureOut">
               <a:rPr lang="zh-CN" altLang="en-US" smtClean="0"/>
-              <a:t>2020/3/21</a:t>
+              <a:t>2020/5/30</a:t>
             </a:fld>
             <a:endParaRPr lang="zh-CN" altLang="en-US"/>
           </a:p>
@@ -1951,7 +1956,7 @@
           <a:p>
             <a:fld id="{E23DE8A5-D17A-48CE-ACC5-5A718228CF0D}" type="datetimeFigureOut">
               <a:rPr lang="zh-CN" altLang="en-US" smtClean="0"/>
-              <a:t>2020/3/21</a:t>
+              <a:t>2020/5/30</a:t>
             </a:fld>
             <a:endParaRPr lang="zh-CN" altLang="en-US"/>
           </a:p>
@@ -2064,7 +2069,7 @@
           <a:p>
             <a:fld id="{E23DE8A5-D17A-48CE-ACC5-5A718228CF0D}" type="datetimeFigureOut">
               <a:rPr lang="zh-CN" altLang="en-US" smtClean="0"/>
-              <a:t>2020/3/21</a:t>
+              <a:t>2020/5/30</a:t>
             </a:fld>
             <a:endParaRPr lang="zh-CN" altLang="en-US"/>
           </a:p>
@@ -2375,7 +2380,7 @@
           <a:p>
             <a:fld id="{E23DE8A5-D17A-48CE-ACC5-5A718228CF0D}" type="datetimeFigureOut">
               <a:rPr lang="zh-CN" altLang="en-US" smtClean="0"/>
-              <a:t>2020/3/21</a:t>
+              <a:t>2020/5/30</a:t>
             </a:fld>
             <a:endParaRPr lang="zh-CN" altLang="en-US"/>
           </a:p>
@@ -2663,7 +2668,7 @@
           <a:p>
             <a:fld id="{E23DE8A5-D17A-48CE-ACC5-5A718228CF0D}" type="datetimeFigureOut">
               <a:rPr lang="zh-CN" altLang="en-US" smtClean="0"/>
-              <a:t>2020/3/21</a:t>
+              <a:t>2020/5/30</a:t>
             </a:fld>
             <a:endParaRPr lang="zh-CN" altLang="en-US"/>
           </a:p>
@@ -2904,7 +2909,7 @@
           <a:p>
             <a:fld id="{E23DE8A5-D17A-48CE-ACC5-5A718228CF0D}" type="datetimeFigureOut">
               <a:rPr lang="zh-CN" altLang="en-US" smtClean="0"/>
-              <a:t>2020/3/21</a:t>
+              <a:t>2020/5/30</a:t>
             </a:fld>
             <a:endParaRPr lang="zh-CN" altLang="en-US"/>
           </a:p>
@@ -3335,7 +3340,7 @@
         </p:nvSpPr>
         <p:spPr>
           <a:xfrm>
-            <a:off x="3959439" y="115409"/>
+            <a:off x="4529962" y="572609"/>
             <a:ext cx="2006354" cy="914400"/>
           </a:xfrm>
           <a:prstGeom prst="roundRect">
@@ -3385,7 +3390,7 @@
         </p:nvSpPr>
         <p:spPr>
           <a:xfrm>
-            <a:off x="1096392" y="4199593"/>
+            <a:off x="337881" y="4063577"/>
             <a:ext cx="914400" cy="914400"/>
           </a:xfrm>
           <a:prstGeom prst="roundRect">
@@ -3435,7 +3440,7 @@
         </p:nvSpPr>
         <p:spPr>
           <a:xfrm>
-            <a:off x="8069935" y="2048523"/>
+            <a:off x="8845925" y="2905557"/>
             <a:ext cx="914400" cy="914400"/>
           </a:xfrm>
           <a:prstGeom prst="roundRect">
@@ -3485,7 +3490,7 @@
         </p:nvSpPr>
         <p:spPr>
           <a:xfrm>
-            <a:off x="5961355" y="4885393"/>
+            <a:off x="7257628" y="5488926"/>
             <a:ext cx="1624614" cy="914400"/>
           </a:xfrm>
           <a:prstGeom prst="roundRect">
@@ -3531,15 +3536,14 @@
             </a:extLst>
           </p:cNvPr>
           <p:cNvCxnSpPr>
-            <a:stCxn id="8" idx="0"/>
-            <a:endCxn id="7" idx="2"/>
+            <a:cxnSpLocks/>
           </p:cNvCxnSpPr>
           <p:nvPr/>
         </p:nvCxnSpPr>
         <p:spPr>
           <a:xfrm flipV="1">
-            <a:off x="6773662" y="2962923"/>
-            <a:ext cx="1753473" cy="1922470"/>
+            <a:off x="8043131" y="3456982"/>
+            <a:ext cx="1129323" cy="2059926"/>
           </a:xfrm>
           <a:prstGeom prst="straightConnector1">
             <a:avLst/>
@@ -3580,8 +3584,8 @@
         </p:nvCxnSpPr>
         <p:spPr>
           <a:xfrm flipH="1" flipV="1">
-            <a:off x="5965793" y="572609"/>
-            <a:ext cx="2561342" cy="1475914"/>
+            <a:off x="6536316" y="1029809"/>
+            <a:ext cx="2766809" cy="1875748"/>
           </a:xfrm>
           <a:prstGeom prst="straightConnector1">
             <a:avLst/>
@@ -3619,7 +3623,7 @@
         </p:nvSpPr>
         <p:spPr>
           <a:xfrm>
-            <a:off x="6975698" y="3507376"/>
+            <a:off x="7572323" y="4185340"/>
             <a:ext cx="3200262" cy="646331"/>
           </a:xfrm>
           <a:prstGeom prst="rect">
@@ -3694,7 +3698,7 @@
         </p:nvSpPr>
         <p:spPr>
           <a:xfrm>
-            <a:off x="646116" y="938813"/>
+            <a:off x="1309568" y="716074"/>
             <a:ext cx="914400" cy="914400"/>
           </a:xfrm>
           <a:prstGeom prst="roundRect">
@@ -3794,7 +3798,7 @@
         </p:nvSpPr>
         <p:spPr>
           <a:xfrm>
-            <a:off x="3795202" y="3332255"/>
+            <a:off x="3351610" y="3153286"/>
             <a:ext cx="914400" cy="914400"/>
           </a:xfrm>
           <a:prstGeom prst="roundRect">
@@ -3847,9 +3851,9 @@
           <p:nvPr/>
         </p:nvCxnSpPr>
         <p:spPr>
-          <a:xfrm flipH="1">
-            <a:off x="1560516" y="1029809"/>
-            <a:ext cx="3402100" cy="366204"/>
+          <a:xfrm flipH="1" flipV="1">
+            <a:off x="2223968" y="1173274"/>
+            <a:ext cx="3309171" cy="313735"/>
           </a:xfrm>
           <a:prstGeom prst="straightConnector1">
             <a:avLst/>
@@ -3891,8 +3895,8 @@
         </p:nvCxnSpPr>
         <p:spPr>
           <a:xfrm flipH="1">
-            <a:off x="2837513" y="1029809"/>
-            <a:ext cx="2125103" cy="906179"/>
+            <a:off x="2837513" y="1487009"/>
+            <a:ext cx="2695626" cy="448979"/>
           </a:xfrm>
           <a:prstGeom prst="straightConnector1">
             <a:avLst/>
@@ -3933,8 +3937,8 @@
         </p:nvCxnSpPr>
         <p:spPr>
           <a:xfrm flipH="1">
-            <a:off x="4252402" y="1029809"/>
-            <a:ext cx="710214" cy="2302446"/>
+            <a:off x="3808810" y="1487009"/>
+            <a:ext cx="1724329" cy="1666277"/>
           </a:xfrm>
           <a:prstGeom prst="straightConnector1">
             <a:avLst/>
@@ -3974,9 +3978,9 @@
           <p:nvPr/>
         </p:nvCxnSpPr>
         <p:spPr>
-          <a:xfrm>
-            <a:off x="1103316" y="1853213"/>
-            <a:ext cx="450276" cy="2346380"/>
+          <a:xfrm flipH="1">
+            <a:off x="795081" y="1630474"/>
+            <a:ext cx="971687" cy="2433103"/>
           </a:xfrm>
           <a:prstGeom prst="straightConnector1">
             <a:avLst/>
@@ -4018,8 +4022,8 @@
         </p:nvCxnSpPr>
         <p:spPr>
           <a:xfrm flipH="1">
-            <a:off x="1553592" y="2850388"/>
-            <a:ext cx="1283921" cy="1349205"/>
+            <a:off x="795081" y="2850388"/>
+            <a:ext cx="2042432" cy="1213189"/>
           </a:xfrm>
           <a:prstGeom prst="straightConnector1">
             <a:avLst/>
@@ -4060,8 +4064,8 @@
         </p:nvCxnSpPr>
         <p:spPr>
           <a:xfrm flipH="1">
-            <a:off x="2010792" y="3789455"/>
-            <a:ext cx="1784410" cy="867338"/>
+            <a:off x="1252281" y="3610486"/>
+            <a:ext cx="2099329" cy="910291"/>
           </a:xfrm>
           <a:prstGeom prst="straightConnector1">
             <a:avLst/>
@@ -4135,15 +4139,15 @@
             </a:extLst>
           </p:cNvPr>
           <p:cNvCxnSpPr>
-            <a:stCxn id="4" idx="2"/>
-            <a:endCxn id="8" idx="1"/>
+            <a:cxnSpLocks/>
+            <a:endCxn id="3" idx="0"/>
           </p:cNvCxnSpPr>
           <p:nvPr/>
         </p:nvCxnSpPr>
         <p:spPr>
           <a:xfrm>
-            <a:off x="4962616" y="1029809"/>
-            <a:ext cx="998739" cy="4312784"/>
+            <a:off x="5932825" y="1306846"/>
+            <a:ext cx="356096" cy="2026603"/>
           </a:xfrm>
           <a:prstGeom prst="straightConnector1">
             <a:avLst/>
@@ -4181,7 +4185,7 @@
         </p:nvSpPr>
         <p:spPr>
           <a:xfrm>
-            <a:off x="4772561" y="2962923"/>
+            <a:off x="4987392" y="4404309"/>
             <a:ext cx="2646878" cy="369332"/>
           </a:xfrm>
           <a:prstGeom prst="rect">
@@ -4232,7 +4236,7 @@
         </p:nvSpPr>
         <p:spPr>
           <a:xfrm>
-            <a:off x="10460854" y="4885393"/>
+            <a:off x="10638408" y="5516908"/>
             <a:ext cx="1553592" cy="914400"/>
           </a:xfrm>
           <a:prstGeom prst="roundRect">
@@ -4285,8 +4289,8 @@
         </p:nvCxnSpPr>
         <p:spPr>
           <a:xfrm>
-            <a:off x="7585969" y="5342593"/>
-            <a:ext cx="2874885" cy="0"/>
+            <a:off x="8882242" y="5946126"/>
+            <a:ext cx="1756166" cy="27982"/>
           </a:xfrm>
           <a:prstGeom prst="straightConnector1">
             <a:avLst/>
@@ -4324,7 +4328,7 @@
         </p:nvSpPr>
         <p:spPr>
           <a:xfrm>
-            <a:off x="7774259" y="4852383"/>
+            <a:off x="8851226" y="5422906"/>
             <a:ext cx="2864149" cy="523220"/>
           </a:xfrm>
           <a:prstGeom prst="rect">
@@ -4366,6 +4370,135 @@
               <a:rPr lang="zh-CN" altLang="en-US" sz="1400"/>
               <a:t>函数传递给后代组件</a:t>
             </a:r>
+          </a:p>
+        </p:txBody>
+      </p:sp>
+      <p:sp>
+        <p:nvSpPr>
+          <p:cNvPr id="3" name="矩形: 圆角 2">
+            <a:extLst>
+              <a:ext uri="{FF2B5EF4-FFF2-40B4-BE49-F238E27FC236}">
+                <a16:creationId xmlns:a16="http://schemas.microsoft.com/office/drawing/2014/main" id="{77A24577-E8A2-4589-810F-5CF44FFA6BC5}"/>
+              </a:ext>
+            </a:extLst>
+          </p:cNvPr>
+          <p:cNvSpPr/>
+          <p:nvPr/>
+        </p:nvSpPr>
+        <p:spPr>
+          <a:xfrm>
+            <a:off x="5472994" y="3333449"/>
+            <a:ext cx="1631854" cy="914400"/>
+          </a:xfrm>
+          <a:prstGeom prst="roundRect">
+            <a:avLst/>
+          </a:prstGeom>
+        </p:spPr>
+        <p:style>
+          <a:lnRef idx="2">
+            <a:schemeClr val="accent1">
+              <a:shade val="50000"/>
+            </a:schemeClr>
+          </a:lnRef>
+          <a:fillRef idx="1">
+            <a:schemeClr val="accent1"/>
+          </a:fillRef>
+          <a:effectRef idx="0">
+            <a:schemeClr val="accent1"/>
+          </a:effectRef>
+          <a:fontRef idx="minor">
+            <a:schemeClr val="lt1"/>
+          </a:fontRef>
+        </p:style>
+        <p:txBody>
+          <a:bodyPr rtlCol="0" anchor="ctr"/>
+          <a:lstStyle/>
+          <a:p>
+            <a:pPr algn="ctr"/>
+            <a:r>
+              <a:rPr lang="en-US" altLang="zh-CN"/>
+              <a:t>store</a:t>
+            </a:r>
+            <a:endParaRPr lang="zh-CN" altLang="en-US"/>
+          </a:p>
+        </p:txBody>
+      </p:sp>
+      <p:cxnSp>
+        <p:nvCxnSpPr>
+          <p:cNvPr id="36" name="直接箭头连接符 35">
+            <a:extLst>
+              <a:ext uri="{FF2B5EF4-FFF2-40B4-BE49-F238E27FC236}">
+                <a16:creationId xmlns:a16="http://schemas.microsoft.com/office/drawing/2014/main" id="{604E9CE1-B65E-46DB-8D1C-3671AF681BED}"/>
+              </a:ext>
+            </a:extLst>
+          </p:cNvPr>
+          <p:cNvCxnSpPr>
+            <a:cxnSpLocks/>
+            <a:stCxn id="3" idx="2"/>
+            <a:endCxn id="8" idx="1"/>
+          </p:cNvCxnSpPr>
+          <p:nvPr/>
+        </p:nvCxnSpPr>
+        <p:spPr>
+          <a:xfrm>
+            <a:off x="6288921" y="4247849"/>
+            <a:ext cx="968707" cy="1698277"/>
+          </a:xfrm>
+          <a:prstGeom prst="straightConnector1">
+            <a:avLst/>
+          </a:prstGeom>
+          <a:ln>
+            <a:tailEnd type="triangle"/>
+          </a:ln>
+        </p:spPr>
+        <p:style>
+          <a:lnRef idx="1">
+            <a:schemeClr val="accent1"/>
+          </a:lnRef>
+          <a:fillRef idx="0">
+            <a:schemeClr val="accent1"/>
+          </a:fillRef>
+          <a:effectRef idx="0">
+            <a:schemeClr val="accent1"/>
+          </a:effectRef>
+          <a:fontRef idx="minor">
+            <a:schemeClr val="tx1"/>
+          </a:fontRef>
+        </p:style>
+      </p:cxnSp>
+      <p:sp>
+        <p:nvSpPr>
+          <p:cNvPr id="38" name="文本框 37">
+            <a:extLst>
+              <a:ext uri="{FF2B5EF4-FFF2-40B4-BE49-F238E27FC236}">
+                <a16:creationId xmlns:a16="http://schemas.microsoft.com/office/drawing/2014/main" id="{06FAC8C3-9B24-4D58-8483-4BB5983F7B4B}"/>
+              </a:ext>
+            </a:extLst>
+          </p:cNvPr>
+          <p:cNvSpPr txBox="1"/>
+          <p:nvPr/>
+        </p:nvSpPr>
+        <p:spPr>
+          <a:xfrm>
+            <a:off x="5517355" y="2265387"/>
+            <a:ext cx="1316386" cy="369332"/>
+          </a:xfrm>
+          <a:prstGeom prst="rect">
+            <a:avLst/>
+          </a:prstGeom>
+          <a:noFill/>
+        </p:spPr>
+        <p:txBody>
+          <a:bodyPr wrap="none" rtlCol="0">
+            <a:spAutoFit/>
+          </a:bodyPr>
+          <a:lstStyle/>
+          <a:p>
+            <a:r>
+              <a:rPr lang="en-US" altLang="zh-CN"/>
+              <a:t>createStore</a:t>
+            </a:r>
+            <a:endParaRPr lang="zh-CN" altLang="en-US"/>
           </a:p>
         </p:txBody>
       </p:sp>
